--- a/UGS_FYP_Poster_CS10899.pptx
+++ b/UGS_FYP_Poster_CS10899.pptx
@@ -373,7 +373,7 @@
           <a:noFill/>
           <a:extLst>
             <a:ext uri="{909E8E84-426E-40dd-AFC4-6F175D3DCCD1}">
-              <a14:hiddenFill xmlns:a14="http://schemas.microsoft.com/office/drawing/2010/main" xmlns="">
+              <a14:hiddenFill xmlns="" xmlns:a14="http://schemas.microsoft.com/office/drawing/2010/main">
                 <a:solidFill>
                   <a:srgbClr val="FFFFFF"/>
                 </a:solidFill>
@@ -420,7 +420,7 @@
           <a:noFill/>
           <a:extLst>
             <a:ext uri="{909E8E84-426E-40dd-AFC4-6F175D3DCCD1}">
-              <a14:hiddenFill xmlns:a14="http://schemas.microsoft.com/office/drawing/2010/main" xmlns="">
+              <a14:hiddenFill xmlns="" xmlns:a14="http://schemas.microsoft.com/office/drawing/2010/main">
                 <a:solidFill>
                   <a:srgbClr val="FFFFFF"/>
                 </a:solidFill>
@@ -1106,7 +1106,7 @@
           </a:ln>
           <a:extLst>
             <a:ext uri="{C572A759-6A51-4108-AA02-DFA0A04FC94B}">
-              <ma14:wrappingTextBoxFlag xmlns="" xmlns:ma14="http://schemas.microsoft.com/office/mac/drawingml/2011/main" val="1"/>
+              <ma14:wrappingTextBoxFlag xmlns:ma14="http://schemas.microsoft.com/office/mac/drawingml/2011/main" xmlns="" val="1"/>
             </a:ext>
           </a:extLst>
         </p:spPr>
@@ -1319,7 +1319,7 @@
           </a:ln>
           <a:extLst>
             <a:ext uri="{C572A759-6A51-4108-AA02-DFA0A04FC94B}">
-              <ma14:wrappingTextBoxFlag xmlns="" xmlns:ma14="http://schemas.microsoft.com/office/mac/drawingml/2011/main" val="1"/>
+              <ma14:wrappingTextBoxFlag xmlns:ma14="http://schemas.microsoft.com/office/mac/drawingml/2011/main" xmlns="" val="1"/>
             </a:ext>
           </a:extLst>
         </p:spPr>
@@ -1519,7 +1519,7 @@
           </a:ln>
           <a:extLst>
             <a:ext uri="{C572A759-6A51-4108-AA02-DFA0A04FC94B}">
-              <ma14:wrappingTextBoxFlag xmlns="" xmlns:ma14="http://schemas.microsoft.com/office/mac/drawingml/2011/main" val="1"/>
+              <ma14:wrappingTextBoxFlag xmlns:ma14="http://schemas.microsoft.com/office/mac/drawingml/2011/main" xmlns="" val="1"/>
             </a:ext>
           </a:extLst>
         </p:spPr>
@@ -1614,7 +1614,7 @@
           </a:ln>
           <a:extLst>
             <a:ext uri="{C572A759-6A51-4108-AA02-DFA0A04FC94B}">
-              <ma14:wrappingTextBoxFlag xmlns="" xmlns:ma14="http://schemas.microsoft.com/office/mac/drawingml/2011/main" val="1"/>
+              <ma14:wrappingTextBoxFlag xmlns:ma14="http://schemas.microsoft.com/office/mac/drawingml/2011/main" xmlns="" val="1"/>
             </a:ext>
           </a:extLst>
         </p:spPr>
@@ -1795,7 +1795,7 @@
           </a:ln>
           <a:extLst>
             <a:ext uri="{C572A759-6A51-4108-AA02-DFA0A04FC94B}">
-              <ma14:wrappingTextBoxFlag xmlns="" xmlns:ma14="http://schemas.microsoft.com/office/mac/drawingml/2011/main" val="1"/>
+              <ma14:wrappingTextBoxFlag xmlns:ma14="http://schemas.microsoft.com/office/mac/drawingml/2011/main" xmlns="" val="1"/>
             </a:ext>
           </a:extLst>
         </p:spPr>
@@ -2661,7 +2661,7 @@
           </a:ln>
           <a:extLst>
             <a:ext uri="{C572A759-6A51-4108-AA02-DFA0A04FC94B}">
-              <ma14:wrappingTextBoxFlag xmlns="" xmlns:ma14="http://schemas.microsoft.com/office/mac/drawingml/2011/main" val="1"/>
+              <ma14:wrappingTextBoxFlag xmlns:ma14="http://schemas.microsoft.com/office/mac/drawingml/2011/main" xmlns="" val="1"/>
             </a:ext>
           </a:extLst>
         </p:spPr>
@@ -2989,7 +2989,7 @@
           </a:ln>
           <a:extLst>
             <a:ext uri="{C572A759-6A51-4108-AA02-DFA0A04FC94B}">
-              <ma14:wrappingTextBoxFlag xmlns="" xmlns:ma14="http://schemas.microsoft.com/office/mac/drawingml/2011/main" val="1"/>
+              <ma14:wrappingTextBoxFlag xmlns:ma14="http://schemas.microsoft.com/office/mac/drawingml/2011/main" xmlns="" val="1"/>
             </a:ext>
           </a:extLst>
         </p:spPr>
@@ -3165,10 +3165,10 @@
       </p:sp>
       <p:pic>
         <p:nvPicPr>
-          <p:cNvPr id="58" name="Picture 57" descr="A picture containing clock, drawing&#10;&#10;Description automatically generated">
-            <a:extLst>
-              <a:ext uri="{FF2B5EF4-FFF2-40B4-BE49-F238E27FC236}">
-                <a16:creationId xmlns:a16="http://schemas.microsoft.com/office/drawing/2014/main" id="{99AFAF36-C69C-4BE6-A0EE-0B65391EB505}"/>
+          <p:cNvPr id="59" name="Picture 58" descr="A picture containing drawing, clock, window&#10;&#10;Description automatically generated">
+            <a:extLst>
+              <a:ext uri="{FF2B5EF4-FFF2-40B4-BE49-F238E27FC236}">
+                <a16:creationId xmlns:a16="http://schemas.microsoft.com/office/drawing/2014/main" id="{CED10C2F-A9FE-4AF7-A1F8-0D709EB6A35C}"/>
               </a:ext>
             </a:extLst>
           </p:cNvPr>
@@ -3178,7 +3178,7 @@
           <p:nvPr/>
         </p:nvPicPr>
         <p:blipFill>
-          <a:blip r:embed="rId8" cstate="print">
+          <a:blip r:embed="rId4" cstate="print">
             <a:extLst>
               <a:ext uri="{28A0092B-C50C-407E-A947-70E740481C1C}">
                 <a14:useLocalDpi xmlns:a14="http://schemas.microsoft.com/office/drawing/2010/main" val="0"/>
@@ -3191,42 +3191,6 @@
         </p:blipFill>
         <p:spPr>
           <a:xfrm>
-            <a:off x="17387368" y="21258774"/>
-            <a:ext cx="1493540" cy="3004605"/>
-          </a:xfrm>
-          <a:prstGeom prst="rect">
-            <a:avLst/>
-          </a:prstGeom>
-        </p:spPr>
-      </p:pic>
-      <p:pic>
-        <p:nvPicPr>
-          <p:cNvPr id="59" name="Picture 58" descr="A picture containing drawing, clock, window&#10;&#10;Description automatically generated">
-            <a:extLst>
-              <a:ext uri="{FF2B5EF4-FFF2-40B4-BE49-F238E27FC236}">
-                <a16:creationId xmlns:a16="http://schemas.microsoft.com/office/drawing/2014/main" id="{CED10C2F-A9FE-4AF7-A1F8-0D709EB6A35C}"/>
-              </a:ext>
-            </a:extLst>
-          </p:cNvPr>
-          <p:cNvPicPr>
-            <a:picLocks noChangeAspect="1"/>
-          </p:cNvPicPr>
-          <p:nvPr/>
-        </p:nvPicPr>
-        <p:blipFill>
-          <a:blip r:embed="rId4" cstate="print">
-            <a:extLst>
-              <a:ext uri="{28A0092B-C50C-407E-A947-70E740481C1C}">
-                <a14:useLocalDpi xmlns:a14="http://schemas.microsoft.com/office/drawing/2010/main" val="0"/>
-              </a:ext>
-            </a:extLst>
-          </a:blip>
-          <a:stretch>
-            <a:fillRect/>
-          </a:stretch>
-        </p:blipFill>
-        <p:spPr>
-          <a:xfrm>
             <a:off x="19142558" y="21258773"/>
             <a:ext cx="1495478" cy="2992899"/>
           </a:xfrm>
@@ -3250,7 +3214,7 @@
           <p:nvPr/>
         </p:nvPicPr>
         <p:blipFill>
-          <a:blip r:embed="rId9" cstate="print">
+          <a:blip r:embed="rId8" cstate="print">
             <a:extLst>
               <a:ext uri="{28A0092B-C50C-407E-A947-70E740481C1C}">
                 <a14:useLocalDpi xmlns:a14="http://schemas.microsoft.com/office/drawing/2010/main" val="0"/>
@@ -3333,7 +3297,7 @@
           </a:ln>
           <a:extLst>
             <a:ext uri="{C572A759-6A51-4108-AA02-DFA0A04FC94B}">
-              <ma14:wrappingTextBoxFlag xmlns="" xmlns:ma14="http://schemas.microsoft.com/office/mac/drawingml/2011/main" val="1"/>
+              <ma14:wrappingTextBoxFlag xmlns:ma14="http://schemas.microsoft.com/office/mac/drawingml/2011/main" xmlns="" val="1"/>
             </a:ext>
           </a:extLst>
         </p:spPr>
@@ -3564,7 +3528,7 @@
           </a:ln>
           <a:extLst>
             <a:ext uri="{C572A759-6A51-4108-AA02-DFA0A04FC94B}">
-              <ma14:wrappingTextBoxFlag xmlns="" xmlns:ma14="http://schemas.microsoft.com/office/mac/drawingml/2011/main" val="1"/>
+              <ma14:wrappingTextBoxFlag xmlns:ma14="http://schemas.microsoft.com/office/mac/drawingml/2011/main" xmlns="" val="1"/>
             </a:ext>
           </a:extLst>
         </p:spPr>
@@ -3721,7 +3685,7 @@
           <p:nvPr/>
         </p:nvPicPr>
         <p:blipFill>
-          <a:blip r:embed="rId10">
+          <a:blip r:embed="rId9">
             <a:extLst>
               <a:ext uri="{28A0092B-C50C-407E-A947-70E740481C1C}">
                 <a14:useLocalDpi xmlns:a14="http://schemas.microsoft.com/office/drawing/2010/main" val="0"/>
@@ -3757,7 +3721,7 @@
           <p:nvPr/>
         </p:nvPicPr>
         <p:blipFill>
-          <a:blip r:embed="rId11">
+          <a:blip r:embed="rId10">
             <a:extLst>
               <a:ext uri="{28A0092B-C50C-407E-A947-70E740481C1C}">
                 <a14:useLocalDpi xmlns:a14="http://schemas.microsoft.com/office/drawing/2010/main" val="0"/>
@@ -4066,7 +4030,7 @@
           <p:nvPr/>
         </p:nvPicPr>
         <p:blipFill>
-          <a:blip r:embed="rId12" cstate="print">
+          <a:blip r:embed="rId11" cstate="print">
             <a:extLst>
               <a:ext uri="{28A0092B-C50C-407E-A947-70E740481C1C}">
                 <a14:useLocalDpi xmlns:a14="http://schemas.microsoft.com/office/drawing/2010/main" val="0"/>
@@ -4081,6 +4045,42 @@
           <a:xfrm>
             <a:off x="19896206" y="0"/>
             <a:ext cx="1490594" cy="1620000"/>
+          </a:xfrm>
+          <a:prstGeom prst="rect">
+            <a:avLst/>
+          </a:prstGeom>
+        </p:spPr>
+      </p:pic>
+      <p:pic>
+        <p:nvPicPr>
+          <p:cNvPr id="3" name="Picture 2" descr="A picture containing drawing, clock&#10;&#10;Description automatically generated">
+            <a:extLst>
+              <a:ext uri="{FF2B5EF4-FFF2-40B4-BE49-F238E27FC236}">
+                <a16:creationId xmlns:a16="http://schemas.microsoft.com/office/drawing/2014/main" id="{0BFBFBDD-FC7B-4A53-82B5-808D797CA3B4}"/>
+              </a:ext>
+            </a:extLst>
+          </p:cNvPr>
+          <p:cNvPicPr>
+            <a:picLocks noChangeAspect="1"/>
+          </p:cNvPicPr>
+          <p:nvPr/>
+        </p:nvPicPr>
+        <p:blipFill>
+          <a:blip r:embed="rId12" cstate="print">
+            <a:extLst>
+              <a:ext uri="{28A0092B-C50C-407E-A947-70E740481C1C}">
+                <a14:useLocalDpi xmlns:a14="http://schemas.microsoft.com/office/drawing/2010/main" val="0"/>
+              </a:ext>
+            </a:extLst>
+          </a:blip>
+          <a:stretch>
+            <a:fillRect/>
+          </a:stretch>
+        </p:blipFill>
+        <p:spPr>
+          <a:xfrm>
+            <a:off x="17386130" y="21269739"/>
+            <a:ext cx="1495478" cy="3000691"/>
           </a:xfrm>
           <a:prstGeom prst="rect">
             <a:avLst/>

--- a/UGS_FYP_Poster_CS10899.pptx
+++ b/UGS_FYP_Poster_CS10899.pptx
@@ -223,7 +223,7 @@
           <a:p>
             <a:fld id="{D3FE56BA-03B8-4704-9319-ED79A82C4EFE}" type="datetimeFigureOut">
               <a:rPr lang="en-GB" smtClean="0"/>
-              <a:t>17/02/2020</a:t>
+              <a:t>21/02/2020</a:t>
             </a:fld>
             <a:endParaRPr lang="en-GB"/>
           </a:p>
@@ -373,7 +373,7 @@
           <a:noFill/>
           <a:extLst>
             <a:ext uri="{909E8E84-426E-40dd-AFC4-6F175D3DCCD1}">
-              <a14:hiddenFill xmlns="" xmlns:a14="http://schemas.microsoft.com/office/drawing/2010/main">
+              <a14:hiddenFill xmlns:a14="http://schemas.microsoft.com/office/drawing/2010/main" xmlns="">
                 <a:solidFill>
                   <a:srgbClr val="FFFFFF"/>
                 </a:solidFill>
@@ -420,7 +420,7 @@
           <a:noFill/>
           <a:extLst>
             <a:ext uri="{909E8E84-426E-40dd-AFC4-6F175D3DCCD1}">
-              <a14:hiddenFill xmlns="" xmlns:a14="http://schemas.microsoft.com/office/drawing/2010/main">
+              <a14:hiddenFill xmlns:a14="http://schemas.microsoft.com/office/drawing/2010/main" xmlns="">
                 <a:solidFill>
                   <a:srgbClr val="FFFFFF"/>
                 </a:solidFill>
@@ -1106,7 +1106,7 @@
           </a:ln>
           <a:extLst>
             <a:ext uri="{C572A759-6A51-4108-AA02-DFA0A04FC94B}">
-              <ma14:wrappingTextBoxFlag xmlns:ma14="http://schemas.microsoft.com/office/mac/drawingml/2011/main" xmlns="" val="1"/>
+              <ma14:wrappingTextBoxFlag xmlns="" xmlns:ma14="http://schemas.microsoft.com/office/mac/drawingml/2011/main" val="1"/>
             </a:ext>
           </a:extLst>
         </p:spPr>
@@ -1319,7 +1319,7 @@
           </a:ln>
           <a:extLst>
             <a:ext uri="{C572A759-6A51-4108-AA02-DFA0A04FC94B}">
-              <ma14:wrappingTextBoxFlag xmlns:ma14="http://schemas.microsoft.com/office/mac/drawingml/2011/main" xmlns="" val="1"/>
+              <ma14:wrappingTextBoxFlag xmlns="" xmlns:ma14="http://schemas.microsoft.com/office/mac/drawingml/2011/main" val="1"/>
             </a:ext>
           </a:extLst>
         </p:spPr>
@@ -1519,7 +1519,7 @@
           </a:ln>
           <a:extLst>
             <a:ext uri="{C572A759-6A51-4108-AA02-DFA0A04FC94B}">
-              <ma14:wrappingTextBoxFlag xmlns:ma14="http://schemas.microsoft.com/office/mac/drawingml/2011/main" xmlns="" val="1"/>
+              <ma14:wrappingTextBoxFlag xmlns="" xmlns:ma14="http://schemas.microsoft.com/office/mac/drawingml/2011/main" val="1"/>
             </a:ext>
           </a:extLst>
         </p:spPr>
@@ -1614,7 +1614,7 @@
           </a:ln>
           <a:extLst>
             <a:ext uri="{C572A759-6A51-4108-AA02-DFA0A04FC94B}">
-              <ma14:wrappingTextBoxFlag xmlns:ma14="http://schemas.microsoft.com/office/mac/drawingml/2011/main" xmlns="" val="1"/>
+              <ma14:wrappingTextBoxFlag xmlns="" xmlns:ma14="http://schemas.microsoft.com/office/mac/drawingml/2011/main" val="1"/>
             </a:ext>
           </a:extLst>
         </p:spPr>
@@ -1795,7 +1795,7 @@
           </a:ln>
           <a:extLst>
             <a:ext uri="{C572A759-6A51-4108-AA02-DFA0A04FC94B}">
-              <ma14:wrappingTextBoxFlag xmlns:ma14="http://schemas.microsoft.com/office/mac/drawingml/2011/main" xmlns="" val="1"/>
+              <ma14:wrappingTextBoxFlag xmlns="" xmlns:ma14="http://schemas.microsoft.com/office/mac/drawingml/2011/main" val="1"/>
             </a:ext>
           </a:extLst>
         </p:spPr>
@@ -2661,7 +2661,7 @@
           </a:ln>
           <a:extLst>
             <a:ext uri="{C572A759-6A51-4108-AA02-DFA0A04FC94B}">
-              <ma14:wrappingTextBoxFlag xmlns:ma14="http://schemas.microsoft.com/office/mac/drawingml/2011/main" xmlns="" val="1"/>
+              <ma14:wrappingTextBoxFlag xmlns="" xmlns:ma14="http://schemas.microsoft.com/office/mac/drawingml/2011/main" val="1"/>
             </a:ext>
           </a:extLst>
         </p:spPr>
@@ -2989,7 +2989,7 @@
           </a:ln>
           <a:extLst>
             <a:ext uri="{C572A759-6A51-4108-AA02-DFA0A04FC94B}">
-              <ma14:wrappingTextBoxFlag xmlns:ma14="http://schemas.microsoft.com/office/mac/drawingml/2011/main" xmlns="" val="1"/>
+              <ma14:wrappingTextBoxFlag xmlns="" xmlns:ma14="http://schemas.microsoft.com/office/mac/drawingml/2011/main" val="1"/>
             </a:ext>
           </a:extLst>
         </p:spPr>
@@ -3297,7 +3297,7 @@
           </a:ln>
           <a:extLst>
             <a:ext uri="{C572A759-6A51-4108-AA02-DFA0A04FC94B}">
-              <ma14:wrappingTextBoxFlag xmlns:ma14="http://schemas.microsoft.com/office/mac/drawingml/2011/main" xmlns="" val="1"/>
+              <ma14:wrappingTextBoxFlag xmlns="" xmlns:ma14="http://schemas.microsoft.com/office/mac/drawingml/2011/main" val="1"/>
             </a:ext>
           </a:extLst>
         </p:spPr>
@@ -3329,26 +3329,16 @@
             </a:r>
           </a:p>
           <a:p>
-            <a:pPr marL="457200" indent="-457200" algn="just">
-              <a:spcBef>
-                <a:spcPts val="699"/>
-              </a:spcBef>
-              <a:buFont typeface="Arial" panose="020B0604020202020204" pitchFamily="34" charset="0"/>
-              <a:buChar char="•"/>
-              <a:defRPr sz="1800">
-                <a:solidFill>
-                  <a:srgbClr val="000000"/>
-                </a:solidFill>
-              </a:defRPr>
-            </a:pPr>
-            <a:r>
-              <a:rPr lang="en-SG" sz="3200" dirty="0">
-                <a:ea typeface="CMU Sans Serif"/>
-                <a:cs typeface="CMU Sans Serif"/>
-                <a:sym typeface="CMU Sans Serif"/>
-              </a:rPr>
-              <a:t>Insert graph</a:t>
-            </a:r>
+            <a:pPr algn="just">
+              <a:spcBef>
+                <a:spcPts val="699"/>
+              </a:spcBef>
+              <a:defRPr sz="1800">
+                <a:solidFill>
+                  <a:srgbClr val="000000"/>
+                </a:solidFill>
+              </a:defRPr>
+            </a:pPr>
             <a:endParaRPr lang="en-US" sz="3200" dirty="0">
               <a:ea typeface="CMU Sans Serif"/>
               <a:cs typeface="CMU Sans Serif"/>
@@ -3528,7 +3518,7 @@
           </a:ln>
           <a:extLst>
             <a:ext uri="{C572A759-6A51-4108-AA02-DFA0A04FC94B}">
-              <ma14:wrappingTextBoxFlag xmlns:ma14="http://schemas.microsoft.com/office/mac/drawingml/2011/main" xmlns="" val="1"/>
+              <ma14:wrappingTextBoxFlag xmlns="" xmlns:ma14="http://schemas.microsoft.com/office/mac/drawingml/2011/main" val="1"/>
             </a:ext>
           </a:extLst>
         </p:spPr>
@@ -4081,6 +4071,66 @@
           <a:xfrm>
             <a:off x="17386130" y="21269739"/>
             <a:ext cx="1495478" cy="3000691"/>
+          </a:xfrm>
+          <a:prstGeom prst="rect">
+            <a:avLst/>
+          </a:prstGeom>
+        </p:spPr>
+      </p:pic>
+      <p:pic>
+        <p:nvPicPr>
+          <p:cNvPr id="6" name="Picture 5">
+            <a:extLst>
+              <a:ext uri="{FF2B5EF4-FFF2-40B4-BE49-F238E27FC236}">
+                <a16:creationId xmlns:a16="http://schemas.microsoft.com/office/drawing/2014/main" id="{C8841152-93D5-4096-89A3-2BDAAD3180C9}"/>
+              </a:ext>
+            </a:extLst>
+          </p:cNvPr>
+          <p:cNvPicPr>
+            <a:picLocks noChangeAspect="1"/>
+          </p:cNvPicPr>
+          <p:nvPr/>
+        </p:nvPicPr>
+        <p:blipFill>
+          <a:blip r:embed="rId13"/>
+          <a:stretch>
+            <a:fillRect/>
+          </a:stretch>
+        </p:blipFill>
+        <p:spPr>
+          <a:xfrm>
+            <a:off x="9997879" y="24220522"/>
+            <a:ext cx="3618880" cy="3322394"/>
+          </a:xfrm>
+          <a:prstGeom prst="rect">
+            <a:avLst/>
+          </a:prstGeom>
+        </p:spPr>
+      </p:pic>
+      <p:pic>
+        <p:nvPicPr>
+          <p:cNvPr id="7" name="Picture 6">
+            <a:extLst>
+              <a:ext uri="{FF2B5EF4-FFF2-40B4-BE49-F238E27FC236}">
+                <a16:creationId xmlns:a16="http://schemas.microsoft.com/office/drawing/2014/main" id="{31794EEC-7606-4D89-AA84-0C93FA5F1E08}"/>
+              </a:ext>
+            </a:extLst>
+          </p:cNvPr>
+          <p:cNvPicPr>
+            <a:picLocks noChangeAspect="1"/>
+          </p:cNvPicPr>
+          <p:nvPr/>
+        </p:nvPicPr>
+        <p:blipFill>
+          <a:blip r:embed="rId14"/>
+          <a:stretch>
+            <a:fillRect/>
+          </a:stretch>
+        </p:blipFill>
+        <p:spPr>
+          <a:xfrm>
+            <a:off x="13593609" y="24159416"/>
+            <a:ext cx="3705737" cy="3383499"/>
           </a:xfrm>
           <a:prstGeom prst="rect">
             <a:avLst/>

--- a/UGS_FYP_Poster_CS10899.pptx
+++ b/UGS_FYP_Poster_CS10899.pptx
@@ -373,7 +373,7 @@
           <a:noFill/>
           <a:extLst>
             <a:ext uri="{909E8E84-426E-40dd-AFC4-6F175D3DCCD1}">
-              <a14:hiddenFill xmlns:a14="http://schemas.microsoft.com/office/drawing/2010/main" xmlns="">
+              <a14:hiddenFill xmlns="" xmlns:a14="http://schemas.microsoft.com/office/drawing/2010/main">
                 <a:solidFill>
                   <a:srgbClr val="FFFFFF"/>
                 </a:solidFill>
@@ -420,7 +420,7 @@
           <a:noFill/>
           <a:extLst>
             <a:ext uri="{909E8E84-426E-40dd-AFC4-6F175D3DCCD1}">
-              <a14:hiddenFill xmlns:a14="http://schemas.microsoft.com/office/drawing/2010/main" xmlns="">
+              <a14:hiddenFill xmlns="" xmlns:a14="http://schemas.microsoft.com/office/drawing/2010/main">
                 <a:solidFill>
                   <a:srgbClr val="FFFFFF"/>
                 </a:solidFill>
@@ -1106,7 +1106,7 @@
           </a:ln>
           <a:extLst>
             <a:ext uri="{C572A759-6A51-4108-AA02-DFA0A04FC94B}">
-              <ma14:wrappingTextBoxFlag xmlns="" xmlns:ma14="http://schemas.microsoft.com/office/mac/drawingml/2011/main" val="1"/>
+              <ma14:wrappingTextBoxFlag xmlns:ma14="http://schemas.microsoft.com/office/mac/drawingml/2011/main" xmlns="" val="1"/>
             </a:ext>
           </a:extLst>
         </p:spPr>
@@ -1319,7 +1319,7 @@
           </a:ln>
           <a:extLst>
             <a:ext uri="{C572A759-6A51-4108-AA02-DFA0A04FC94B}">
-              <ma14:wrappingTextBoxFlag xmlns="" xmlns:ma14="http://schemas.microsoft.com/office/mac/drawingml/2011/main" val="1"/>
+              <ma14:wrappingTextBoxFlag xmlns:ma14="http://schemas.microsoft.com/office/mac/drawingml/2011/main" xmlns="" val="1"/>
             </a:ext>
           </a:extLst>
         </p:spPr>
@@ -1519,7 +1519,7 @@
           </a:ln>
           <a:extLst>
             <a:ext uri="{C572A759-6A51-4108-AA02-DFA0A04FC94B}">
-              <ma14:wrappingTextBoxFlag xmlns="" xmlns:ma14="http://schemas.microsoft.com/office/mac/drawingml/2011/main" val="1"/>
+              <ma14:wrappingTextBoxFlag xmlns:ma14="http://schemas.microsoft.com/office/mac/drawingml/2011/main" xmlns="" val="1"/>
             </a:ext>
           </a:extLst>
         </p:spPr>
@@ -1614,7 +1614,7 @@
           </a:ln>
           <a:extLst>
             <a:ext uri="{C572A759-6A51-4108-AA02-DFA0A04FC94B}">
-              <ma14:wrappingTextBoxFlag xmlns="" xmlns:ma14="http://schemas.microsoft.com/office/mac/drawingml/2011/main" val="1"/>
+              <ma14:wrappingTextBoxFlag xmlns:ma14="http://schemas.microsoft.com/office/mac/drawingml/2011/main" xmlns="" val="1"/>
             </a:ext>
           </a:extLst>
         </p:spPr>
@@ -1795,7 +1795,7 @@
           </a:ln>
           <a:extLst>
             <a:ext uri="{C572A759-6A51-4108-AA02-DFA0A04FC94B}">
-              <ma14:wrappingTextBoxFlag xmlns="" xmlns:ma14="http://schemas.microsoft.com/office/mac/drawingml/2011/main" val="1"/>
+              <ma14:wrappingTextBoxFlag xmlns:ma14="http://schemas.microsoft.com/office/mac/drawingml/2011/main" xmlns="" val="1"/>
             </a:ext>
           </a:extLst>
         </p:spPr>
@@ -2661,7 +2661,7 @@
           </a:ln>
           <a:extLst>
             <a:ext uri="{C572A759-6A51-4108-AA02-DFA0A04FC94B}">
-              <ma14:wrappingTextBoxFlag xmlns="" xmlns:ma14="http://schemas.microsoft.com/office/mac/drawingml/2011/main" val="1"/>
+              <ma14:wrappingTextBoxFlag xmlns:ma14="http://schemas.microsoft.com/office/mac/drawingml/2011/main" xmlns="" val="1"/>
             </a:ext>
           </a:extLst>
         </p:spPr>
@@ -2989,7 +2989,7 @@
           </a:ln>
           <a:extLst>
             <a:ext uri="{C572A759-6A51-4108-AA02-DFA0A04FC94B}">
-              <ma14:wrappingTextBoxFlag xmlns="" xmlns:ma14="http://schemas.microsoft.com/office/mac/drawingml/2011/main" val="1"/>
+              <ma14:wrappingTextBoxFlag xmlns:ma14="http://schemas.microsoft.com/office/mac/drawingml/2011/main" xmlns="" val="1"/>
             </a:ext>
           </a:extLst>
         </p:spPr>
@@ -3297,7 +3297,7 @@
           </a:ln>
           <a:extLst>
             <a:ext uri="{C572A759-6A51-4108-AA02-DFA0A04FC94B}">
-              <ma14:wrappingTextBoxFlag xmlns="" xmlns:ma14="http://schemas.microsoft.com/office/mac/drawingml/2011/main" val="1"/>
+              <ma14:wrappingTextBoxFlag xmlns:ma14="http://schemas.microsoft.com/office/mac/drawingml/2011/main" xmlns="" val="1"/>
             </a:ext>
           </a:extLst>
         </p:spPr>
@@ -3518,7 +3518,7 @@
           </a:ln>
           <a:extLst>
             <a:ext uri="{C572A759-6A51-4108-AA02-DFA0A04FC94B}">
-              <ma14:wrappingTextBoxFlag xmlns="" xmlns:ma14="http://schemas.microsoft.com/office/mac/drawingml/2011/main" val="1"/>
+              <ma14:wrappingTextBoxFlag xmlns:ma14="http://schemas.microsoft.com/office/mac/drawingml/2011/main" xmlns="" val="1"/>
             </a:ext>
           </a:extLst>
         </p:spPr>
@@ -4099,7 +4099,7 @@
         </p:blipFill>
         <p:spPr>
           <a:xfrm>
-            <a:off x="9997879" y="24220522"/>
+            <a:off x="10032839" y="24220521"/>
             <a:ext cx="3618880" cy="3322394"/>
           </a:xfrm>
           <a:prstGeom prst="rect">

--- a/UGS_FYP_Poster_CS10899.pptx
+++ b/UGS_FYP_Poster_CS10899.pptx
@@ -373,7 +373,7 @@
           <a:noFill/>
           <a:extLst>
             <a:ext uri="{909E8E84-426E-40dd-AFC4-6F175D3DCCD1}">
-              <a14:hiddenFill xmlns="" xmlns:a14="http://schemas.microsoft.com/office/drawing/2010/main">
+              <a14:hiddenFill xmlns:a14="http://schemas.microsoft.com/office/drawing/2010/main" xmlns="">
                 <a:solidFill>
                   <a:srgbClr val="FFFFFF"/>
                 </a:solidFill>
@@ -420,7 +420,7 @@
           <a:noFill/>
           <a:extLst>
             <a:ext uri="{909E8E84-426E-40dd-AFC4-6F175D3DCCD1}">
-              <a14:hiddenFill xmlns="" xmlns:a14="http://schemas.microsoft.com/office/drawing/2010/main">
+              <a14:hiddenFill xmlns:a14="http://schemas.microsoft.com/office/drawing/2010/main" xmlns="">
                 <a:solidFill>
                   <a:srgbClr val="FFFFFF"/>
                 </a:solidFill>
@@ -1106,7 +1106,7 @@
           </a:ln>
           <a:extLst>
             <a:ext uri="{C572A759-6A51-4108-AA02-DFA0A04FC94B}">
-              <ma14:wrappingTextBoxFlag xmlns:ma14="http://schemas.microsoft.com/office/mac/drawingml/2011/main" xmlns="" val="1"/>
+              <ma14:wrappingTextBoxFlag xmlns="" xmlns:ma14="http://schemas.microsoft.com/office/mac/drawingml/2011/main" val="1"/>
             </a:ext>
           </a:extLst>
         </p:spPr>
@@ -1319,7 +1319,7 @@
           </a:ln>
           <a:extLst>
             <a:ext uri="{C572A759-6A51-4108-AA02-DFA0A04FC94B}">
-              <ma14:wrappingTextBoxFlag xmlns:ma14="http://schemas.microsoft.com/office/mac/drawingml/2011/main" xmlns="" val="1"/>
+              <ma14:wrappingTextBoxFlag xmlns="" xmlns:ma14="http://schemas.microsoft.com/office/mac/drawingml/2011/main" val="1"/>
             </a:ext>
           </a:extLst>
         </p:spPr>
@@ -1519,7 +1519,7 @@
           </a:ln>
           <a:extLst>
             <a:ext uri="{C572A759-6A51-4108-AA02-DFA0A04FC94B}">
-              <ma14:wrappingTextBoxFlag xmlns:ma14="http://schemas.microsoft.com/office/mac/drawingml/2011/main" xmlns="" val="1"/>
+              <ma14:wrappingTextBoxFlag xmlns="" xmlns:ma14="http://schemas.microsoft.com/office/mac/drawingml/2011/main" val="1"/>
             </a:ext>
           </a:extLst>
         </p:spPr>
@@ -1614,7 +1614,7 @@
           </a:ln>
           <a:extLst>
             <a:ext uri="{C572A759-6A51-4108-AA02-DFA0A04FC94B}">
-              <ma14:wrappingTextBoxFlag xmlns:ma14="http://schemas.microsoft.com/office/mac/drawingml/2011/main" xmlns="" val="1"/>
+              <ma14:wrappingTextBoxFlag xmlns="" xmlns:ma14="http://schemas.microsoft.com/office/mac/drawingml/2011/main" val="1"/>
             </a:ext>
           </a:extLst>
         </p:spPr>
@@ -1795,7 +1795,7 @@
           </a:ln>
           <a:extLst>
             <a:ext uri="{C572A759-6A51-4108-AA02-DFA0A04FC94B}">
-              <ma14:wrappingTextBoxFlag xmlns:ma14="http://schemas.microsoft.com/office/mac/drawingml/2011/main" xmlns="" val="1"/>
+              <ma14:wrappingTextBoxFlag xmlns="" xmlns:ma14="http://schemas.microsoft.com/office/mac/drawingml/2011/main" val="1"/>
             </a:ext>
           </a:extLst>
         </p:spPr>
@@ -2661,7 +2661,7 @@
           </a:ln>
           <a:extLst>
             <a:ext uri="{C572A759-6A51-4108-AA02-DFA0A04FC94B}">
-              <ma14:wrappingTextBoxFlag xmlns:ma14="http://schemas.microsoft.com/office/mac/drawingml/2011/main" xmlns="" val="1"/>
+              <ma14:wrappingTextBoxFlag xmlns="" xmlns:ma14="http://schemas.microsoft.com/office/mac/drawingml/2011/main" val="1"/>
             </a:ext>
           </a:extLst>
         </p:spPr>
@@ -2989,7 +2989,7 @@
           </a:ln>
           <a:extLst>
             <a:ext uri="{C572A759-6A51-4108-AA02-DFA0A04FC94B}">
-              <ma14:wrappingTextBoxFlag xmlns:ma14="http://schemas.microsoft.com/office/mac/drawingml/2011/main" xmlns="" val="1"/>
+              <ma14:wrappingTextBoxFlag xmlns="" xmlns:ma14="http://schemas.microsoft.com/office/mac/drawingml/2011/main" val="1"/>
             </a:ext>
           </a:extLst>
         </p:spPr>
@@ -3297,7 +3297,7 @@
           </a:ln>
           <a:extLst>
             <a:ext uri="{C572A759-6A51-4108-AA02-DFA0A04FC94B}">
-              <ma14:wrappingTextBoxFlag xmlns:ma14="http://schemas.microsoft.com/office/mac/drawingml/2011/main" xmlns="" val="1"/>
+              <ma14:wrappingTextBoxFlag xmlns="" xmlns:ma14="http://schemas.microsoft.com/office/mac/drawingml/2011/main" val="1"/>
             </a:ext>
           </a:extLst>
         </p:spPr>
@@ -3518,7 +3518,7 @@
           </a:ln>
           <a:extLst>
             <a:ext uri="{C572A759-6A51-4108-AA02-DFA0A04FC94B}">
-              <ma14:wrappingTextBoxFlag xmlns:ma14="http://schemas.microsoft.com/office/mac/drawingml/2011/main" xmlns="" val="1"/>
+              <ma14:wrappingTextBoxFlag xmlns="" xmlns:ma14="http://schemas.microsoft.com/office/mac/drawingml/2011/main" val="1"/>
             </a:ext>
           </a:extLst>
         </p:spPr>

--- a/UGS_FYP_Poster_CS10899.pptx
+++ b/UGS_FYP_Poster_CS10899.pptx
@@ -373,7 +373,7 @@
           <a:noFill/>
           <a:extLst>
             <a:ext uri="{909E8E84-426E-40dd-AFC4-6F175D3DCCD1}">
-              <a14:hiddenFill xmlns:a14="http://schemas.microsoft.com/office/drawing/2010/main" xmlns="">
+              <a14:hiddenFill xmlns="" xmlns:a14="http://schemas.microsoft.com/office/drawing/2010/main">
                 <a:solidFill>
                   <a:srgbClr val="FFFFFF"/>
                 </a:solidFill>
@@ -420,7 +420,7 @@
           <a:noFill/>
           <a:extLst>
             <a:ext uri="{909E8E84-426E-40dd-AFC4-6F175D3DCCD1}">
-              <a14:hiddenFill xmlns:a14="http://schemas.microsoft.com/office/drawing/2010/main" xmlns="">
+              <a14:hiddenFill xmlns="" xmlns:a14="http://schemas.microsoft.com/office/drawing/2010/main">
                 <a:solidFill>
                   <a:srgbClr val="FFFFFF"/>
                 </a:solidFill>
@@ -1106,7 +1106,7 @@
           </a:ln>
           <a:extLst>
             <a:ext uri="{C572A759-6A51-4108-AA02-DFA0A04FC94B}">
-              <ma14:wrappingTextBoxFlag xmlns="" xmlns:ma14="http://schemas.microsoft.com/office/mac/drawingml/2011/main" val="1"/>
+              <ma14:wrappingTextBoxFlag xmlns:ma14="http://schemas.microsoft.com/office/mac/drawingml/2011/main" xmlns="" val="1"/>
             </a:ext>
           </a:extLst>
         </p:spPr>
@@ -1210,7 +1210,39 @@
                 <a:cs typeface="CMU Sans Serif"/>
                 <a:sym typeface="CMU Sans Serif"/>
               </a:rPr>
-              <a:t>This proposed solution provides for an infrastructure-less and low cost solution in the indoor localization field by applying pedestrian dead reckoning using the smartphone’s sensors and camera to track the user’s location as well as to scan the QR Code as well as a stationary accelerometer prompt to allow users to reset the accelerometer.</a:t>
+              <a:t>This proposed solution provides for an infrastructure-less and low cost solution in the indoor localization field by applying pedestrian dead reckoning using the smartphone’s </a:t>
+            </a:r>
+            <a:r>
+              <a:rPr lang="en-GB" sz="3000">
+                <a:ea typeface="CMU Sans Serif"/>
+                <a:cs typeface="CMU Sans Serif"/>
+                <a:sym typeface="CMU Sans Serif"/>
+              </a:rPr>
+              <a:t>sensors to </a:t>
+            </a:r>
+            <a:r>
+              <a:rPr lang="en-GB" sz="3000" dirty="0">
+                <a:ea typeface="CMU Sans Serif"/>
+                <a:cs typeface="CMU Sans Serif"/>
+                <a:sym typeface="CMU Sans Serif"/>
+              </a:rPr>
+              <a:t>track the </a:t>
+            </a:r>
+            <a:r>
+              <a:rPr lang="en-GB" sz="3000">
+                <a:ea typeface="CMU Sans Serif"/>
+                <a:cs typeface="CMU Sans Serif"/>
+                <a:sym typeface="CMU Sans Serif"/>
+              </a:rPr>
+              <a:t>user’s location and camera </a:t>
+            </a:r>
+            <a:r>
+              <a:rPr lang="en-GB" sz="3000" dirty="0">
+                <a:ea typeface="CMU Sans Serif"/>
+                <a:cs typeface="CMU Sans Serif"/>
+                <a:sym typeface="CMU Sans Serif"/>
+              </a:rPr>
+              <a:t>to scan the QR Code as well as a stationary accelerometer prompt to allow users to reset the accelerometer.</a:t>
             </a:r>
           </a:p>
         </p:txBody>
@@ -1319,7 +1351,7 @@
           </a:ln>
           <a:extLst>
             <a:ext uri="{C572A759-6A51-4108-AA02-DFA0A04FC94B}">
-              <ma14:wrappingTextBoxFlag xmlns="" xmlns:ma14="http://schemas.microsoft.com/office/mac/drawingml/2011/main" val="1"/>
+              <ma14:wrappingTextBoxFlag xmlns:ma14="http://schemas.microsoft.com/office/mac/drawingml/2011/main" xmlns="" val="1"/>
             </a:ext>
           </a:extLst>
         </p:spPr>
@@ -1519,7 +1551,7 @@
           </a:ln>
           <a:extLst>
             <a:ext uri="{C572A759-6A51-4108-AA02-DFA0A04FC94B}">
-              <ma14:wrappingTextBoxFlag xmlns="" xmlns:ma14="http://schemas.microsoft.com/office/mac/drawingml/2011/main" val="1"/>
+              <ma14:wrappingTextBoxFlag xmlns:ma14="http://schemas.microsoft.com/office/mac/drawingml/2011/main" xmlns="" val="1"/>
             </a:ext>
           </a:extLst>
         </p:spPr>
@@ -1614,7 +1646,7 @@
           </a:ln>
           <a:extLst>
             <a:ext uri="{C572A759-6A51-4108-AA02-DFA0A04FC94B}">
-              <ma14:wrappingTextBoxFlag xmlns="" xmlns:ma14="http://schemas.microsoft.com/office/mac/drawingml/2011/main" val="1"/>
+              <ma14:wrappingTextBoxFlag xmlns:ma14="http://schemas.microsoft.com/office/mac/drawingml/2011/main" xmlns="" val="1"/>
             </a:ext>
           </a:extLst>
         </p:spPr>
@@ -1795,7 +1827,7 @@
           </a:ln>
           <a:extLst>
             <a:ext uri="{C572A759-6A51-4108-AA02-DFA0A04FC94B}">
-              <ma14:wrappingTextBoxFlag xmlns="" xmlns:ma14="http://schemas.microsoft.com/office/mac/drawingml/2011/main" val="1"/>
+              <ma14:wrappingTextBoxFlag xmlns:ma14="http://schemas.microsoft.com/office/mac/drawingml/2011/main" xmlns="" val="1"/>
             </a:ext>
           </a:extLst>
         </p:spPr>
@@ -2661,7 +2693,7 @@
           </a:ln>
           <a:extLst>
             <a:ext uri="{C572A759-6A51-4108-AA02-DFA0A04FC94B}">
-              <ma14:wrappingTextBoxFlag xmlns="" xmlns:ma14="http://schemas.microsoft.com/office/mac/drawingml/2011/main" val="1"/>
+              <ma14:wrappingTextBoxFlag xmlns:ma14="http://schemas.microsoft.com/office/mac/drawingml/2011/main" xmlns="" val="1"/>
             </a:ext>
           </a:extLst>
         </p:spPr>
@@ -2989,7 +3021,7 @@
           </a:ln>
           <a:extLst>
             <a:ext uri="{C572A759-6A51-4108-AA02-DFA0A04FC94B}">
-              <ma14:wrappingTextBoxFlag xmlns="" xmlns:ma14="http://schemas.microsoft.com/office/mac/drawingml/2011/main" val="1"/>
+              <ma14:wrappingTextBoxFlag xmlns:ma14="http://schemas.microsoft.com/office/mac/drawingml/2011/main" xmlns="" val="1"/>
             </a:ext>
           </a:extLst>
         </p:spPr>
@@ -3297,7 +3329,7 @@
           </a:ln>
           <a:extLst>
             <a:ext uri="{C572A759-6A51-4108-AA02-DFA0A04FC94B}">
-              <ma14:wrappingTextBoxFlag xmlns="" xmlns:ma14="http://schemas.microsoft.com/office/mac/drawingml/2011/main" val="1"/>
+              <ma14:wrappingTextBoxFlag xmlns:ma14="http://schemas.microsoft.com/office/mac/drawingml/2011/main" xmlns="" val="1"/>
             </a:ext>
           </a:extLst>
         </p:spPr>
@@ -3518,7 +3550,7 @@
           </a:ln>
           <a:extLst>
             <a:ext uri="{C572A759-6A51-4108-AA02-DFA0A04FC94B}">
-              <ma14:wrappingTextBoxFlag xmlns="" xmlns:ma14="http://schemas.microsoft.com/office/mac/drawingml/2011/main" val="1"/>
+              <ma14:wrappingTextBoxFlag xmlns:ma14="http://schemas.microsoft.com/office/mac/drawingml/2011/main" xmlns="" val="1"/>
             </a:ext>
           </a:extLst>
         </p:spPr>

--- a/UGS_FYP_Poster_CS10899.pptx
+++ b/UGS_FYP_Poster_CS10899.pptx
@@ -373,7 +373,7 @@
           <a:noFill/>
           <a:extLst>
             <a:ext uri="{909E8E84-426E-40dd-AFC4-6F175D3DCCD1}">
-              <a14:hiddenFill xmlns="" xmlns:a14="http://schemas.microsoft.com/office/drawing/2010/main">
+              <a14:hiddenFill xmlns:a14="http://schemas.microsoft.com/office/drawing/2010/main" xmlns="">
                 <a:solidFill>
                   <a:srgbClr val="FFFFFF"/>
                 </a:solidFill>
@@ -420,7 +420,7 @@
           <a:noFill/>
           <a:extLst>
             <a:ext uri="{909E8E84-426E-40dd-AFC4-6F175D3DCCD1}">
-              <a14:hiddenFill xmlns="" xmlns:a14="http://schemas.microsoft.com/office/drawing/2010/main">
+              <a14:hiddenFill xmlns:a14="http://schemas.microsoft.com/office/drawing/2010/main" xmlns="">
                 <a:solidFill>
                   <a:srgbClr val="FFFFFF"/>
                 </a:solidFill>
@@ -1106,7 +1106,7 @@
           </a:ln>
           <a:extLst>
             <a:ext uri="{C572A759-6A51-4108-AA02-DFA0A04FC94B}">
-              <ma14:wrappingTextBoxFlag xmlns:ma14="http://schemas.microsoft.com/office/mac/drawingml/2011/main" xmlns="" val="1"/>
+              <ma14:wrappingTextBoxFlag xmlns="" xmlns:ma14="http://schemas.microsoft.com/office/mac/drawingml/2011/main" val="1"/>
             </a:ext>
           </a:extLst>
         </p:spPr>
@@ -1351,7 +1351,7 @@
           </a:ln>
           <a:extLst>
             <a:ext uri="{C572A759-6A51-4108-AA02-DFA0A04FC94B}">
-              <ma14:wrappingTextBoxFlag xmlns:ma14="http://schemas.microsoft.com/office/mac/drawingml/2011/main" xmlns="" val="1"/>
+              <ma14:wrappingTextBoxFlag xmlns="" xmlns:ma14="http://schemas.microsoft.com/office/mac/drawingml/2011/main" val="1"/>
             </a:ext>
           </a:extLst>
         </p:spPr>
@@ -1551,7 +1551,7 @@
           </a:ln>
           <a:extLst>
             <a:ext uri="{C572A759-6A51-4108-AA02-DFA0A04FC94B}">
-              <ma14:wrappingTextBoxFlag xmlns:ma14="http://schemas.microsoft.com/office/mac/drawingml/2011/main" xmlns="" val="1"/>
+              <ma14:wrappingTextBoxFlag xmlns="" xmlns:ma14="http://schemas.microsoft.com/office/mac/drawingml/2011/main" val="1"/>
             </a:ext>
           </a:extLst>
         </p:spPr>
@@ -1634,8 +1634,8 @@
         </p:nvSpPr>
         <p:spPr>
           <a:xfrm>
-            <a:off x="9663146" y="8151842"/>
-            <a:ext cx="11752086" cy="6254185"/>
+            <a:off x="9615912" y="7940742"/>
+            <a:ext cx="11752086" cy="6805618"/>
           </a:xfrm>
           <a:prstGeom prst="rect">
             <a:avLst/>
@@ -1646,7 +1646,7 @@
           </a:ln>
           <a:extLst>
             <a:ext uri="{C572A759-6A51-4108-AA02-DFA0A04FC94B}">
-              <ma14:wrappingTextBoxFlag xmlns:ma14="http://schemas.microsoft.com/office/mac/drawingml/2011/main" xmlns="" val="1"/>
+              <ma14:wrappingTextBoxFlag xmlns="" xmlns:ma14="http://schemas.microsoft.com/office/mac/drawingml/2011/main" val="1"/>
             </a:ext>
           </a:extLst>
         </p:spPr>
@@ -1793,6 +1793,44 @@
                 </a:solidFill>
               </a:defRPr>
             </a:pPr>
+            <a:r>
+              <a:rPr lang="en-GB" sz="3000" dirty="0">
+                <a:ea typeface="CMU Sans Serif"/>
+                <a:cs typeface="CMU Sans Serif"/>
+                <a:sym typeface="CMU Sans Serif"/>
+              </a:rPr>
+              <a:t>Stationary accelerometer can be performed to </a:t>
+            </a:r>
+            <a:r>
+              <a:rPr lang="en-GB" sz="3000">
+                <a:ea typeface="CMU Sans Serif"/>
+                <a:cs typeface="CMU Sans Serif"/>
+                <a:sym typeface="CMU Sans Serif"/>
+              </a:rPr>
+              <a:t>improve accuracy.</a:t>
+            </a:r>
+            <a:endParaRPr lang="en-GB" sz="3000" dirty="0">
+              <a:ea typeface="CMU Sans Serif"/>
+              <a:cs typeface="CMU Sans Serif"/>
+              <a:sym typeface="CMU Sans Serif"/>
+            </a:endParaRPr>
+          </a:p>
+          <a:p>
+            <a:pPr marL="457200" indent="-457200" algn="just">
+              <a:lnSpc>
+                <a:spcPct val="100000"/>
+              </a:lnSpc>
+              <a:spcBef>
+                <a:spcPts val="699"/>
+              </a:spcBef>
+              <a:buFont typeface="Arial" panose="020B0604020202020204" pitchFamily="34" charset="0"/>
+              <a:buChar char="•"/>
+              <a:defRPr sz="1800">
+                <a:solidFill>
+                  <a:srgbClr val="000000"/>
+                </a:solidFill>
+              </a:defRPr>
+            </a:pPr>
             <a:endParaRPr lang="en-GB" sz="3000" dirty="0">
               <a:ea typeface="CMU Sans Serif"/>
               <a:cs typeface="CMU Sans Serif"/>
@@ -1827,7 +1865,7 @@
           </a:ln>
           <a:extLst>
             <a:ext uri="{C572A759-6A51-4108-AA02-DFA0A04FC94B}">
-              <ma14:wrappingTextBoxFlag xmlns:ma14="http://schemas.microsoft.com/office/mac/drawingml/2011/main" xmlns="" val="1"/>
+              <ma14:wrappingTextBoxFlag xmlns="" xmlns:ma14="http://schemas.microsoft.com/office/mac/drawingml/2011/main" val="1"/>
             </a:ext>
           </a:extLst>
         </p:spPr>
@@ -2693,7 +2731,7 @@
           </a:ln>
           <a:extLst>
             <a:ext uri="{C572A759-6A51-4108-AA02-DFA0A04FC94B}">
-              <ma14:wrappingTextBoxFlag xmlns:ma14="http://schemas.microsoft.com/office/mac/drawingml/2011/main" xmlns="" val="1"/>
+              <ma14:wrappingTextBoxFlag xmlns="" xmlns:ma14="http://schemas.microsoft.com/office/mac/drawingml/2011/main" val="1"/>
             </a:ext>
           </a:extLst>
         </p:spPr>
@@ -3021,7 +3059,7 @@
           </a:ln>
           <a:extLst>
             <a:ext uri="{C572A759-6A51-4108-AA02-DFA0A04FC94B}">
-              <ma14:wrappingTextBoxFlag xmlns:ma14="http://schemas.microsoft.com/office/mac/drawingml/2011/main" xmlns="" val="1"/>
+              <ma14:wrappingTextBoxFlag xmlns="" xmlns:ma14="http://schemas.microsoft.com/office/mac/drawingml/2011/main" val="1"/>
             </a:ext>
           </a:extLst>
         </p:spPr>
@@ -3329,7 +3367,7 @@
           </a:ln>
           <a:extLst>
             <a:ext uri="{C572A759-6A51-4108-AA02-DFA0A04FC94B}">
-              <ma14:wrappingTextBoxFlag xmlns:ma14="http://schemas.microsoft.com/office/mac/drawingml/2011/main" xmlns="" val="1"/>
+              <ma14:wrappingTextBoxFlag xmlns="" xmlns:ma14="http://schemas.microsoft.com/office/mac/drawingml/2011/main" val="1"/>
             </a:ext>
           </a:extLst>
         </p:spPr>
@@ -3550,7 +3588,7 @@
           </a:ln>
           <a:extLst>
             <a:ext uri="{C572A759-6A51-4108-AA02-DFA0A04FC94B}">
-              <ma14:wrappingTextBoxFlag xmlns:ma14="http://schemas.microsoft.com/office/mac/drawingml/2011/main" xmlns="" val="1"/>
+              <ma14:wrappingTextBoxFlag xmlns="" xmlns:ma14="http://schemas.microsoft.com/office/mac/drawingml/2011/main" val="1"/>
             </a:ext>
           </a:extLst>
         </p:spPr>

--- a/UGS_FYP_Poster_CS10899.pptx
+++ b/UGS_FYP_Poster_CS10899.pptx
@@ -373,7 +373,7 @@
           <a:noFill/>
           <a:extLst>
             <a:ext uri="{909E8E84-426E-40dd-AFC4-6F175D3DCCD1}">
-              <a14:hiddenFill xmlns:a14="http://schemas.microsoft.com/office/drawing/2010/main" xmlns="">
+              <a14:hiddenFill xmlns="" xmlns:a14="http://schemas.microsoft.com/office/drawing/2010/main">
                 <a:solidFill>
                   <a:srgbClr val="FFFFFF"/>
                 </a:solidFill>
@@ -420,7 +420,7 @@
           <a:noFill/>
           <a:extLst>
             <a:ext uri="{909E8E84-426E-40dd-AFC4-6F175D3DCCD1}">
-              <a14:hiddenFill xmlns:a14="http://schemas.microsoft.com/office/drawing/2010/main" xmlns="">
+              <a14:hiddenFill xmlns="" xmlns:a14="http://schemas.microsoft.com/office/drawing/2010/main">
                 <a:solidFill>
                   <a:srgbClr val="FFFFFF"/>
                 </a:solidFill>
@@ -1106,7 +1106,7 @@
           </a:ln>
           <a:extLst>
             <a:ext uri="{C572A759-6A51-4108-AA02-DFA0A04FC94B}">
-              <ma14:wrappingTextBoxFlag xmlns="" xmlns:ma14="http://schemas.microsoft.com/office/mac/drawingml/2011/main" val="1"/>
+              <ma14:wrappingTextBoxFlag xmlns:ma14="http://schemas.microsoft.com/office/mac/drawingml/2011/main" xmlns="" val="1"/>
             </a:ext>
           </a:extLst>
         </p:spPr>
@@ -1351,7 +1351,7 @@
           </a:ln>
           <a:extLst>
             <a:ext uri="{C572A759-6A51-4108-AA02-DFA0A04FC94B}">
-              <ma14:wrappingTextBoxFlag xmlns="" xmlns:ma14="http://schemas.microsoft.com/office/mac/drawingml/2011/main" val="1"/>
+              <ma14:wrappingTextBoxFlag xmlns:ma14="http://schemas.microsoft.com/office/mac/drawingml/2011/main" xmlns="" val="1"/>
             </a:ext>
           </a:extLst>
         </p:spPr>
@@ -1551,7 +1551,7 @@
           </a:ln>
           <a:extLst>
             <a:ext uri="{C572A759-6A51-4108-AA02-DFA0A04FC94B}">
-              <ma14:wrappingTextBoxFlag xmlns="" xmlns:ma14="http://schemas.microsoft.com/office/mac/drawingml/2011/main" val="1"/>
+              <ma14:wrappingTextBoxFlag xmlns:ma14="http://schemas.microsoft.com/office/mac/drawingml/2011/main" xmlns="" val="1"/>
             </a:ext>
           </a:extLst>
         </p:spPr>
@@ -1646,7 +1646,7 @@
           </a:ln>
           <a:extLst>
             <a:ext uri="{C572A759-6A51-4108-AA02-DFA0A04FC94B}">
-              <ma14:wrappingTextBoxFlag xmlns="" xmlns:ma14="http://schemas.microsoft.com/office/mac/drawingml/2011/main" val="1"/>
+              <ma14:wrappingTextBoxFlag xmlns:ma14="http://schemas.microsoft.com/office/mac/drawingml/2011/main" xmlns="" val="1"/>
             </a:ext>
           </a:extLst>
         </p:spPr>
@@ -1865,7 +1865,7 @@
           </a:ln>
           <a:extLst>
             <a:ext uri="{C572A759-6A51-4108-AA02-DFA0A04FC94B}">
-              <ma14:wrappingTextBoxFlag xmlns="" xmlns:ma14="http://schemas.microsoft.com/office/mac/drawingml/2011/main" val="1"/>
+              <ma14:wrappingTextBoxFlag xmlns:ma14="http://schemas.microsoft.com/office/mac/drawingml/2011/main" xmlns="" val="1"/>
             </a:ext>
           </a:extLst>
         </p:spPr>
@@ -2731,7 +2731,7 @@
           </a:ln>
           <a:extLst>
             <a:ext uri="{C572A759-6A51-4108-AA02-DFA0A04FC94B}">
-              <ma14:wrappingTextBoxFlag xmlns="" xmlns:ma14="http://schemas.microsoft.com/office/mac/drawingml/2011/main" val="1"/>
+              <ma14:wrappingTextBoxFlag xmlns:ma14="http://schemas.microsoft.com/office/mac/drawingml/2011/main" xmlns="" val="1"/>
             </a:ext>
           </a:extLst>
         </p:spPr>
@@ -3059,7 +3059,7 @@
           </a:ln>
           <a:extLst>
             <a:ext uri="{C572A759-6A51-4108-AA02-DFA0A04FC94B}">
-              <ma14:wrappingTextBoxFlag xmlns="" xmlns:ma14="http://schemas.microsoft.com/office/mac/drawingml/2011/main" val="1"/>
+              <ma14:wrappingTextBoxFlag xmlns:ma14="http://schemas.microsoft.com/office/mac/drawingml/2011/main" xmlns="" val="1"/>
             </a:ext>
           </a:extLst>
         </p:spPr>
@@ -3367,7 +3367,7 @@
           </a:ln>
           <a:extLst>
             <a:ext uri="{C572A759-6A51-4108-AA02-DFA0A04FC94B}">
-              <ma14:wrappingTextBoxFlag xmlns="" xmlns:ma14="http://schemas.microsoft.com/office/mac/drawingml/2011/main" val="1"/>
+              <ma14:wrappingTextBoxFlag xmlns:ma14="http://schemas.microsoft.com/office/mac/drawingml/2011/main" xmlns="" val="1"/>
             </a:ext>
           </a:extLst>
         </p:spPr>
@@ -3588,7 +3588,7 @@
           </a:ln>
           <a:extLst>
             <a:ext uri="{C572A759-6A51-4108-AA02-DFA0A04FC94B}">
-              <ma14:wrappingTextBoxFlag xmlns="" xmlns:ma14="http://schemas.microsoft.com/office/mac/drawingml/2011/main" val="1"/>
+              <ma14:wrappingTextBoxFlag xmlns:ma14="http://schemas.microsoft.com/office/mac/drawingml/2011/main" xmlns="" val="1"/>
             </a:ext>
           </a:extLst>
         </p:spPr>

--- a/UGS_FYP_Poster_CS10899.pptx
+++ b/UGS_FYP_Poster_CS10899.pptx
@@ -373,7 +373,7 @@
           <a:noFill/>
           <a:extLst>
             <a:ext uri="{909E8E84-426E-40dd-AFC4-6F175D3DCCD1}">
-              <a14:hiddenFill xmlns="" xmlns:a14="http://schemas.microsoft.com/office/drawing/2010/main">
+              <a14:hiddenFill xmlns:a14="http://schemas.microsoft.com/office/drawing/2010/main" xmlns="">
                 <a:solidFill>
                   <a:srgbClr val="FFFFFF"/>
                 </a:solidFill>
@@ -420,7 +420,7 @@
           <a:noFill/>
           <a:extLst>
             <a:ext uri="{909E8E84-426E-40dd-AFC4-6F175D3DCCD1}">
-              <a14:hiddenFill xmlns="" xmlns:a14="http://schemas.microsoft.com/office/drawing/2010/main">
+              <a14:hiddenFill xmlns:a14="http://schemas.microsoft.com/office/drawing/2010/main" xmlns="">
                 <a:solidFill>
                   <a:srgbClr val="FFFFFF"/>
                 </a:solidFill>
@@ -1106,7 +1106,7 @@
           </a:ln>
           <a:extLst>
             <a:ext uri="{C572A759-6A51-4108-AA02-DFA0A04FC94B}">
-              <ma14:wrappingTextBoxFlag xmlns:ma14="http://schemas.microsoft.com/office/mac/drawingml/2011/main" xmlns="" val="1"/>
+              <ma14:wrappingTextBoxFlag xmlns="" xmlns:ma14="http://schemas.microsoft.com/office/mac/drawingml/2011/main" val="1"/>
             </a:ext>
           </a:extLst>
         </p:spPr>
@@ -1351,7 +1351,7 @@
           </a:ln>
           <a:extLst>
             <a:ext uri="{C572A759-6A51-4108-AA02-DFA0A04FC94B}">
-              <ma14:wrappingTextBoxFlag xmlns:ma14="http://schemas.microsoft.com/office/mac/drawingml/2011/main" xmlns="" val="1"/>
+              <ma14:wrappingTextBoxFlag xmlns="" xmlns:ma14="http://schemas.microsoft.com/office/mac/drawingml/2011/main" val="1"/>
             </a:ext>
           </a:extLst>
         </p:spPr>
@@ -1551,7 +1551,7 @@
           </a:ln>
           <a:extLst>
             <a:ext uri="{C572A759-6A51-4108-AA02-DFA0A04FC94B}">
-              <ma14:wrappingTextBoxFlag xmlns:ma14="http://schemas.microsoft.com/office/mac/drawingml/2011/main" xmlns="" val="1"/>
+              <ma14:wrappingTextBoxFlag xmlns="" xmlns:ma14="http://schemas.microsoft.com/office/mac/drawingml/2011/main" val="1"/>
             </a:ext>
           </a:extLst>
         </p:spPr>
@@ -1646,7 +1646,7 @@
           </a:ln>
           <a:extLst>
             <a:ext uri="{C572A759-6A51-4108-AA02-DFA0A04FC94B}">
-              <ma14:wrappingTextBoxFlag xmlns:ma14="http://schemas.microsoft.com/office/mac/drawingml/2011/main" xmlns="" val="1"/>
+              <ma14:wrappingTextBoxFlag xmlns="" xmlns:ma14="http://schemas.microsoft.com/office/mac/drawingml/2011/main" val="1"/>
             </a:ext>
           </a:extLst>
         </p:spPr>
@@ -1865,7 +1865,7 @@
           </a:ln>
           <a:extLst>
             <a:ext uri="{C572A759-6A51-4108-AA02-DFA0A04FC94B}">
-              <ma14:wrappingTextBoxFlag xmlns:ma14="http://schemas.microsoft.com/office/mac/drawingml/2011/main" xmlns="" val="1"/>
+              <ma14:wrappingTextBoxFlag xmlns="" xmlns:ma14="http://schemas.microsoft.com/office/mac/drawingml/2011/main" val="1"/>
             </a:ext>
           </a:extLst>
         </p:spPr>
@@ -2731,7 +2731,7 @@
           </a:ln>
           <a:extLst>
             <a:ext uri="{C572A759-6A51-4108-AA02-DFA0A04FC94B}">
-              <ma14:wrappingTextBoxFlag xmlns:ma14="http://schemas.microsoft.com/office/mac/drawingml/2011/main" xmlns="" val="1"/>
+              <ma14:wrappingTextBoxFlag xmlns="" xmlns:ma14="http://schemas.microsoft.com/office/mac/drawingml/2011/main" val="1"/>
             </a:ext>
           </a:extLst>
         </p:spPr>
@@ -3059,7 +3059,7 @@
           </a:ln>
           <a:extLst>
             <a:ext uri="{C572A759-6A51-4108-AA02-DFA0A04FC94B}">
-              <ma14:wrappingTextBoxFlag xmlns:ma14="http://schemas.microsoft.com/office/mac/drawingml/2011/main" xmlns="" val="1"/>
+              <ma14:wrappingTextBoxFlag xmlns="" xmlns:ma14="http://schemas.microsoft.com/office/mac/drawingml/2011/main" val="1"/>
             </a:ext>
           </a:extLst>
         </p:spPr>
@@ -3367,7 +3367,7 @@
           </a:ln>
           <a:extLst>
             <a:ext uri="{C572A759-6A51-4108-AA02-DFA0A04FC94B}">
-              <ma14:wrappingTextBoxFlag xmlns:ma14="http://schemas.microsoft.com/office/mac/drawingml/2011/main" xmlns="" val="1"/>
+              <ma14:wrappingTextBoxFlag xmlns="" xmlns:ma14="http://schemas.microsoft.com/office/mac/drawingml/2011/main" val="1"/>
             </a:ext>
           </a:extLst>
         </p:spPr>
@@ -3588,7 +3588,7 @@
           </a:ln>
           <a:extLst>
             <a:ext uri="{C572A759-6A51-4108-AA02-DFA0A04FC94B}">
-              <ma14:wrappingTextBoxFlag xmlns:ma14="http://schemas.microsoft.com/office/mac/drawingml/2011/main" xmlns="" val="1"/>
+              <ma14:wrappingTextBoxFlag xmlns="" xmlns:ma14="http://schemas.microsoft.com/office/mac/drawingml/2011/main" val="1"/>
             </a:ext>
           </a:extLst>
         </p:spPr>
